--- a/trunk/Training/NCSU-2018/Scripting Basics.pptx
+++ b/trunk/Training/NCSU-2018/Scripting Basics.pptx
@@ -258,7 +258,7 @@
           <a:p>
             <a:fld id="{21D603EA-85D6-422C-AB10-17A2A7923832}" type="datetimeFigureOut">
               <a:rPr lang="en-US" smtClean="0"/>
-              <a:t>10/23/2018</a:t>
+              <a:t>10/25/2018</a:t>
             </a:fld>
             <a:endParaRPr lang="en-US" dirty="0"/>
           </a:p>
@@ -5915,6 +5915,58 @@
             <a:r>
               <a:rPr lang="en-US" dirty="0"/>
               <a:t>Scripting Basics</a:t>
+            </a:r>
+          </a:p>
+        </p:txBody>
+      </p:sp>
+      <p:sp>
+        <p:nvSpPr>
+          <p:cNvPr id="2" name="TextBox 1">
+            <a:extLst>
+              <a:ext uri="{FF2B5EF4-FFF2-40B4-BE49-F238E27FC236}">
+                <a16:creationId xmlns:a16="http://schemas.microsoft.com/office/drawing/2014/main" id="{E90D214C-0259-441B-8F6E-383AC8472E74}"/>
+              </a:ext>
+            </a:extLst>
+          </p:cNvPr>
+          <p:cNvSpPr txBox="1"/>
+          <p:nvPr/>
+        </p:nvSpPr>
+        <p:spPr>
+          <a:xfrm>
+            <a:off x="1371600" y="4185138"/>
+            <a:ext cx="3429000" cy="1015663"/>
+          </a:xfrm>
+          <a:prstGeom prst="rect">
+            <a:avLst/>
+          </a:prstGeom>
+          <a:noFill/>
+        </p:spPr>
+        <p:txBody>
+          <a:bodyPr wrap="square" rtlCol="0">
+            <a:spAutoFit/>
+          </a:bodyPr>
+          <a:lstStyle/>
+          <a:p>
+            <a:r>
+              <a:rPr lang="en-US" sz="2000" b="1" dirty="0" err="1"/>
+              <a:t>Catie</a:t>
+            </a:r>
+            <a:r>
+              <a:rPr lang="en-US" sz="2000" b="1" dirty="0"/>
+              <a:t> McEntee</a:t>
+            </a:r>
+          </a:p>
+          <a:p>
+            <a:r>
+              <a:rPr lang="en-US" dirty="0"/>
+              <a:t>Graduate Student</a:t>
+            </a:r>
+            <a:br>
+              <a:rPr lang="en-US" dirty="0"/>
+            </a:br>
+            <a:r>
+              <a:rPr lang="en-US" dirty="0"/>
+              <a:t>NCSU</a:t>
             </a:r>
           </a:p>
         </p:txBody>
@@ -27926,12 +27978,11 @@
 </file>
 
 <file path=customXml/item1.xml><?xml version="1.0" encoding="utf-8"?>
-<?mso-contentType ?>
-<FormTemplates xmlns="http://schemas.microsoft.com/sharepoint/v3/contenttype/forms">
-  <Display>DocumentLibraryForm</Display>
-  <Edit>DocumentLibraryForm</Edit>
-  <New>DocumentLibraryForm</New>
-</FormTemplates>
+<p:properties xmlns:p="http://schemas.microsoft.com/office/2006/metadata/properties" xmlns:xsi="http://www.w3.org/2001/XMLSchema-instance" xmlns:pc="http://schemas.microsoft.com/office/infopath/2007/PartnerControls">
+  <documentManagement>
+    <Category xmlns="9d4eb815-23ed-48d9-b0c1-2b9ce0016f4e">EPRI PowerPoint Template</Category>
+  </documentManagement>
+</p:properties>
 </file>
 
 <file path=customXml/item2.xml><?xml version="1.0" encoding="utf-8"?>
@@ -28067,17 +28118,26 @@
 </file>
 
 <file path=customXml/item3.xml><?xml version="1.0" encoding="utf-8"?>
-<p:properties xmlns:p="http://schemas.microsoft.com/office/2006/metadata/properties" xmlns:xsi="http://www.w3.org/2001/XMLSchema-instance" xmlns:pc="http://schemas.microsoft.com/office/infopath/2007/PartnerControls">
-  <documentManagement>
-    <Category xmlns="9d4eb815-23ed-48d9-b0c1-2b9ce0016f4e">EPRI PowerPoint Template</Category>
-  </documentManagement>
-</p:properties>
+<?mso-contentType ?>
+<FormTemplates xmlns="http://schemas.microsoft.com/sharepoint/v3/contenttype/forms">
+  <Display>DocumentLibraryForm</Display>
+  <Edit>DocumentLibraryForm</Edit>
+  <New>DocumentLibraryForm</New>
+</FormTemplates>
 </file>
 
 <file path=customXml/itemProps1.xml><?xml version="1.0" encoding="utf-8"?>
-<ds:datastoreItem xmlns:ds="http://schemas.openxmlformats.org/officeDocument/2006/customXml" ds:itemID="{A25E9E05-8AAB-41BB-8F13-3890611F3729}">
+<ds:datastoreItem xmlns:ds="http://schemas.openxmlformats.org/officeDocument/2006/customXml" ds:itemID="{5F1B2A83-E798-4E5B-B5B7-E28DA4E28A71}">
   <ds:schemaRefs>
-    <ds:schemaRef ds:uri="http://schemas.microsoft.com/sharepoint/v3/contenttype/forms"/>
+    <ds:schemaRef ds:uri="http://purl.org/dc/dcmitype/"/>
+    <ds:schemaRef ds:uri="http://schemas.microsoft.com/office/infopath/2007/PartnerControls"/>
+    <ds:schemaRef ds:uri="http://schemas.microsoft.com/office/2006/documentManagement/types"/>
+    <ds:schemaRef ds:uri="http://purl.org/dc/elements/1.1/"/>
+    <ds:schemaRef ds:uri="http://schemas.microsoft.com/office/2006/metadata/properties"/>
+    <ds:schemaRef ds:uri="9d4eb815-23ed-48d9-b0c1-2b9ce0016f4e"/>
+    <ds:schemaRef ds:uri="http://purl.org/dc/terms/"/>
+    <ds:schemaRef ds:uri="http://schemas.openxmlformats.org/package/2006/metadata/core-properties"/>
+    <ds:schemaRef ds:uri="http://www.w3.org/XML/1998/namespace"/>
   </ds:schemaRefs>
 </ds:datastoreItem>
 </file>
@@ -28101,17 +28161,9 @@
 </file>
 
 <file path=customXml/itemProps3.xml><?xml version="1.0" encoding="utf-8"?>
-<ds:datastoreItem xmlns:ds="http://schemas.openxmlformats.org/officeDocument/2006/customXml" ds:itemID="{5F1B2A83-E798-4E5B-B5B7-E28DA4E28A71}">
+<ds:datastoreItem xmlns:ds="http://schemas.openxmlformats.org/officeDocument/2006/customXml" ds:itemID="{A25E9E05-8AAB-41BB-8F13-3890611F3729}">
   <ds:schemaRefs>
-    <ds:schemaRef ds:uri="http://purl.org/dc/dcmitype/"/>
-    <ds:schemaRef ds:uri="http://schemas.microsoft.com/office/infopath/2007/PartnerControls"/>
-    <ds:schemaRef ds:uri="http://schemas.microsoft.com/office/2006/documentManagement/types"/>
-    <ds:schemaRef ds:uri="http://purl.org/dc/elements/1.1/"/>
-    <ds:schemaRef ds:uri="http://schemas.microsoft.com/office/2006/metadata/properties"/>
-    <ds:schemaRef ds:uri="9d4eb815-23ed-48d9-b0c1-2b9ce0016f4e"/>
-    <ds:schemaRef ds:uri="http://purl.org/dc/terms/"/>
-    <ds:schemaRef ds:uri="http://schemas.openxmlformats.org/package/2006/metadata/core-properties"/>
-    <ds:schemaRef ds:uri="http://www.w3.org/XML/1998/namespace"/>
+    <ds:schemaRef ds:uri="http://schemas.microsoft.com/sharepoint/v3/contenttype/forms"/>
   </ds:schemaRefs>
 </ds:datastoreItem>
 </file>